--- a/PPT/Train and Give Inputs to a Machine Learning Model.pptx
+++ b/PPT/Train and Give Inputs to a Machine Learning Model.pptx
@@ -274,8 +274,11 @@
     </a:lvl9pPr>
   </p:defaultTextStyle>
   <p:extLst>
+    <p:ext uri="{EFAFB233-063F-42B5-8137-9DF3F51BA10A}">
+      <p15:sldGuideLst xmlns:p15="http://schemas.microsoft.com/office/powerpoint/2012/main"/>
+    </p:ext>
     <p:ext uri="http://customooxmlschemas.google.com/">
-      <go:slidesCustomData xmlns:go="http://customooxmlschemas.google.com/" xmlns:ahyp="http://schemas.microsoft.com/office/drawing/2018/hyperlinkcolor" xmlns:p15="http://schemas.microsoft.com/office/powerpoint/2012/main" xmlns:p14="http://schemas.microsoft.com/office/powerpoint/2010/main" xmlns:com="http://schemas.openxmlformats.org/drawingml/2006/compatibility" xmlns:pvml="urn:schemas-microsoft-com:office:powerpoint" xmlns:v="urn:schemas-microsoft-com:vml" xmlns:o="urn:schemas-microsoft-com:office:office" xmlns:dgm="http://schemas.openxmlformats.org/drawingml/2006/diagram" xmlns:c="http://schemas.openxmlformats.org/drawingml/2006/chart" xmlns:mv="urn:schemas-microsoft-com:mac:vml" xmlns:mc="http://schemas.openxmlformats.org/markup-compatibility/2006" xmlns="" r:id="rId25" roundtripDataSignature="AMtx7mhsmqk6Y+4R6q9U0GnHUahLxrK9hg=="/>
+      <go:slidesCustomData xmlns="" xmlns:mc="http://schemas.openxmlformats.org/markup-compatibility/2006" xmlns:mv="urn:schemas-microsoft-com:mac:vml" xmlns:c="http://schemas.openxmlformats.org/drawingml/2006/chart" xmlns:dgm="http://schemas.openxmlformats.org/drawingml/2006/diagram" xmlns:o="urn:schemas-microsoft-com:office:office" xmlns:v="urn:schemas-microsoft-com:vml" xmlns:pvml="urn:schemas-microsoft-com:office:powerpoint" xmlns:com="http://schemas.openxmlformats.org/drawingml/2006/compatibility" xmlns:p14="http://schemas.microsoft.com/office/powerpoint/2010/main" xmlns:p15="http://schemas.microsoft.com/office/powerpoint/2012/main" xmlns:ahyp="http://schemas.microsoft.com/office/drawing/2018/hyperlinkcolor" xmlns:go="http://customooxmlschemas.google.com/" r:id="rId25" roundtripDataSignature="AMtx7mhsmqk6Y+4R6q9U0GnHUahLxrK9hg=="/>
     </p:ext>
   </p:extLst>
 </p:presentation>
@@ -33613,7 +33616,7 @@
         </p:nvSpPr>
         <p:spPr>
           <a:xfrm>
-            <a:off x="388350" y="3377611"/>
+            <a:off x="308867" y="3320904"/>
             <a:ext cx="8367300" cy="1516912"/>
           </a:xfrm>
           <a:prstGeom prst="rect">
@@ -35189,10 +35192,80 @@
                 <a:effectLst/>
                 <a:latin typeface="Söhne"/>
               </a:rPr>
-              <a:t>: Collect a large dataset of breast cancer patient information from various sources such as electronic medical records, clinical trials, and public datasets but in this is case the dataset is provided by the hexart.in only. The data should include demographic information, medical history, treatment information, and survival outcome.</a:t>
+              <a:t>: Collect dataset </a:t>
             </a:r>
-          </a:p>
-          <a:p>
+            <a:r>
+              <a:rPr lang="en-US" sz="1400" b="0" i="0" dirty="0">
+                <a:solidFill>
+                  <a:schemeClr val="tx1"/>
+                </a:solidFill>
+                <a:effectLst/>
+                <a:latin typeface="Söhne"/>
+              </a:rPr>
+              <a:t>of </a:t>
+            </a:r>
+            <a:r>
+              <a:rPr lang="en-IN" sz="1400" b="1" i="0" dirty="0">
+                <a:solidFill>
+                  <a:schemeClr val="tx1"/>
+                </a:solidFill>
+                <a:effectLst/>
+                <a:latin typeface="-apple-system"/>
+              </a:rPr>
+              <a:t>House Price Prediction </a:t>
+            </a:r>
+            <a:r>
+              <a:rPr lang="en-US" sz="1400" b="0" i="0" dirty="0">
+                <a:solidFill>
+                  <a:srgbClr val="374151"/>
+                </a:solidFill>
+                <a:effectLst/>
+                <a:latin typeface="Söhne"/>
+              </a:rPr>
+              <a:t>information from Kaggle. The data should include </a:t>
+            </a:r>
+            <a:r>
+              <a:rPr lang="en-IN" sz="1400" dirty="0">
+                <a:effectLst/>
+                <a:latin typeface="Calibri" panose="020F0502020204030204" pitchFamily="34" charset="0"/>
+                <a:ea typeface="Calibri" panose="020F0502020204030204" pitchFamily="34" charset="0"/>
+                <a:cs typeface="Times New Roman" panose="02020603050405020304" pitchFamily="18" charset="0"/>
+              </a:rPr>
+              <a:t>location, </a:t>
+            </a:r>
+            <a:r>
+              <a:rPr lang="en-IN" sz="1400" dirty="0" err="1">
+                <a:effectLst/>
+                <a:latin typeface="Calibri" panose="020F0502020204030204" pitchFamily="34" charset="0"/>
+                <a:ea typeface="Calibri" panose="020F0502020204030204" pitchFamily="34" charset="0"/>
+                <a:cs typeface="Times New Roman" panose="02020603050405020304" pitchFamily="18" charset="0"/>
+              </a:rPr>
+              <a:t>income,population</a:t>
+            </a:r>
+            <a:r>
+              <a:rPr lang="en-IN" sz="1400" dirty="0">
+                <a:effectLst/>
+                <a:latin typeface="Calibri" panose="020F0502020204030204" pitchFamily="34" charset="0"/>
+                <a:ea typeface="Calibri" panose="020F0502020204030204" pitchFamily="34" charset="0"/>
+                <a:cs typeface="Times New Roman" panose="02020603050405020304" pitchFamily="18" charset="0"/>
+              </a:rPr>
+              <a:t>, number of bedrooms, and more</a:t>
+            </a:r>
+            <a:r>
+              <a:rPr lang="en-US" sz="1400" b="0" i="0" dirty="0">
+                <a:solidFill>
+                  <a:srgbClr val="374151"/>
+                </a:solidFill>
+                <a:effectLst/>
+                <a:latin typeface="Söhne"/>
+              </a:rPr>
+              <a:t>.</a:t>
+            </a:r>
+          </a:p>
+          <a:p>
+            <a:pPr marL="95250" indent="0">
+              <a:buNone/>
+            </a:pPr>
             <a:endParaRPr lang="en-US" sz="1400" b="0" i="0" dirty="0">
               <a:solidFill>
                 <a:srgbClr val="374151"/>
@@ -36632,9 +36705,22 @@
                 <a:cs typeface="Roboto"/>
                 <a:sym typeface="Roboto"/>
               </a:rPr>
-              <a:t>Project Video Link </a:t>
+              <a:t>Project Video Link : </a:t>
             </a:r>
-            <a:endParaRPr sz="1500" dirty="0">
+            <a:r>
+              <a:rPr lang="en-US" sz="1400" dirty="0">
+                <a:solidFill>
+                  <a:srgbClr val="000000"/>
+                </a:solidFill>
+                <a:latin typeface="Roboto"/>
+                <a:ea typeface="Roboto"/>
+                <a:cs typeface="Roboto"/>
+                <a:sym typeface="Roboto"/>
+                <a:hlinkClick r:id="rId4"/>
+              </a:rPr>
+              <a:t>https://drive.google.com/file/d/1_Vl5ZV6iSMRiZuic5GZDqzLjOz2YyDGp/view?usp=sharing</a:t>
+            </a:r>
+            <a:endParaRPr sz="1400" dirty="0">
               <a:solidFill>
                 <a:srgbClr val="000000"/>
               </a:solidFill>
